--- a/assets/files/HKNECE220ReviewSession2FA18.pptx
+++ b/assets/files/HKNECE220ReviewSession2FA18.pptx
@@ -221,14 +221,14 @@
 <p1510:revInfo xmlns:a="http://schemas.openxmlformats.org/drawingml/2006/main" xmlns:r="http://schemas.openxmlformats.org/officeDocument/2006/relationships" xmlns:p1510="http://schemas.microsoft.com/office/powerpoint/2015/10/main">
   <p1510:revLst>
     <p1510:client id="{D5CDED34-6B43-6118-930D-3F122CE36F0D}" v="828" dt="2018-11-03T09:17:13.604"/>
+    <p1510:client id="{0788778B-9A1C-4F3E-A87E-2CC2C43E9113}" v="924" dt="2018-11-03T09:11:59.518"/>
     <p1510:client id="{88C70A18-3696-ED9F-F6F6-1C3422F702B7}" v="385" dt="2018-11-03T05:12:19.636"/>
+    <p1510:client id="{485D2043-3273-23CE-98E0-3DAFDF7C0E2F}" v="1" dt="2018-11-03T17:12:12.558"/>
     <p1510:client id="{BB7E1A21-DD93-2C44-AC85-213E7596E1FF}" v="4869" dt="2018-11-03T20:44:14.144"/>
     <p1510:client id="{CD1B77B9-654C-5C41-AE6A-63871DC668B2}" v="917" dt="2018-11-03T16:09:19.043"/>
+    <p1510:client id="{D3ED4EF2-540B-4B52-B1DA-5123B12B26BE}" v="185" dt="2018-11-02T22:56:03.053"/>
     <p1510:client id="{8D94311B-3B4A-46EC-A75B-E17081829912}" v="403" dt="2018-11-03T03:51:59.169"/>
-    <p1510:client id="{0788778B-9A1C-4F3E-A87E-2CC2C43E9113}" v="924" dt="2018-11-03T09:11:59.518"/>
     <p1510:client id="{0C1DB367-5F5B-CA47-8BDF-B2C0832D43C1}" v="24" dt="2018-11-03T14:45:20.768"/>
-    <p1510:client id="{D3ED4EF2-540B-4B52-B1DA-5123B12B26BE}" v="185" dt="2018-11-02T22:56:03.053"/>
-    <p1510:client id="{485D2043-3273-23CE-98E0-3DAFDF7C0E2F}" v="1" dt="2018-11-03T17:12:12.558"/>
   </p1510:revLst>
 </p1510:revInfo>
 </file>
@@ -398,7 +398,7 @@
                   <a:srgbClr val="F16322"/>
                 </a:solidFill>
               </a:rPr>
-              <a:t>11/3/18</a:t>
+              <a:t>11/6/2018</a:t>
             </a:fld>
             <a:endParaRPr lang="en-US">
               <a:solidFill>
@@ -586,7 +586,7 @@
             <a:fld id="{DBF7D493-8EEB-7E45-916B-5FBC49ABC710}" type="datetimeFigureOut">
               <a:rPr lang="en-US" smtClean="0"/>
               <a:pPr/>
-              <a:t>11/3/18</a:t>
+              <a:t>11/6/2018</a:t>
             </a:fld>
             <a:endParaRPr lang="en-US"/>
           </a:p>
@@ -5256,7 +5256,7 @@
           <a:lstStyle/>
           <a:p>
             <a:r>
-              <a:rPr lang="en-US">
+              <a:rPr lang="en-US" dirty="0">
                 <a:latin typeface="Courier New" panose="02070309020205020404" pitchFamily="49" charset="0"/>
                 <a:cs typeface="Courier New" panose="02070309020205020404" pitchFamily="49" charset="0"/>
               </a:rPr>
@@ -5265,16 +5265,16 @@
           </a:p>
           <a:p>
             <a:r>
-              <a:rPr lang="en-US">
-                <a:latin typeface="Courier New" panose="02070309020205020404" pitchFamily="49" charset="0"/>
-                <a:cs typeface="Courier New" panose="02070309020205020404" pitchFamily="49" charset="0"/>
-              </a:rPr>
-              <a:t>ADD R6, R6, #4	; Make space on stack</a:t>
-            </a:r>
-          </a:p>
-          <a:p>
-            <a:r>
-              <a:rPr lang="en-US">
+              <a:rPr lang="en-US" dirty="0">
+                <a:latin typeface="Courier New" panose="02070309020205020404" pitchFamily="49" charset="0"/>
+                <a:cs typeface="Courier New" panose="02070309020205020404" pitchFamily="49" charset="0"/>
+              </a:rPr>
+              <a:t>ADD R6, R6, #-4	; Make space on stack</a:t>
+            </a:r>
+          </a:p>
+          <a:p>
+            <a:r>
+              <a:rPr lang="en-US" dirty="0">
                 <a:latin typeface="Courier New" panose="02070309020205020404" pitchFamily="49" charset="0"/>
                 <a:cs typeface="Courier New" panose="02070309020205020404" pitchFamily="49" charset="0"/>
               </a:rPr>
@@ -5283,7 +5283,7 @@
           </a:p>
           <a:p>
             <a:r>
-              <a:rPr lang="en-US">
+              <a:rPr lang="en-US" dirty="0">
                 <a:latin typeface="Courier New" panose="02070309020205020404" pitchFamily="49" charset="0"/>
                 <a:cs typeface="Courier New" panose="02070309020205020404" pitchFamily="49" charset="0"/>
               </a:rPr>
@@ -5292,7 +5292,7 @@
           </a:p>
           <a:p>
             <a:r>
-              <a:rPr lang="en-US">
+              <a:rPr lang="en-US" dirty="0">
                 <a:latin typeface="Courier New" panose="02070309020205020404" pitchFamily="49" charset="0"/>
                 <a:cs typeface="Courier New" panose="02070309020205020404" pitchFamily="49" charset="0"/>
               </a:rPr>
@@ -5300,14 +5300,14 @@
             </a:r>
           </a:p>
           <a:p>
-            <a:endParaRPr lang="en-US">
+            <a:endParaRPr lang="en-US" dirty="0">
               <a:latin typeface="Courier New" panose="02070309020205020404" pitchFamily="49" charset="0"/>
               <a:cs typeface="Courier New" panose="02070309020205020404" pitchFamily="49" charset="0"/>
             </a:endParaRPr>
           </a:p>
           <a:p>
             <a:r>
-              <a:rPr lang="en-US">
+              <a:rPr lang="en-US" dirty="0">
                 <a:latin typeface="Courier New" panose="02070309020205020404" pitchFamily="49" charset="0"/>
                 <a:cs typeface="Courier New" panose="02070309020205020404" pitchFamily="49" charset="0"/>
               </a:rPr>
@@ -5316,7 +5316,7 @@
           </a:p>
           <a:p>
             <a:r>
-              <a:rPr lang="en-US">
+              <a:rPr lang="en-US" dirty="0">
                 <a:latin typeface="Courier New" panose="02070309020205020404" pitchFamily="49" charset="0"/>
                 <a:cs typeface="Courier New" panose="02070309020205020404" pitchFamily="49" charset="0"/>
               </a:rPr>
@@ -5325,7 +5325,7 @@
           </a:p>
           <a:p>
             <a:r>
-              <a:rPr lang="en-US">
+              <a:rPr lang="en-US" dirty="0">
                 <a:latin typeface="Courier New" panose="02070309020205020404" pitchFamily="49" charset="0"/>
                 <a:cs typeface="Courier New" panose="02070309020205020404" pitchFamily="49" charset="0"/>
               </a:rPr>
@@ -5334,7 +5334,7 @@
           </a:p>
           <a:p>
             <a:r>
-              <a:rPr lang="en-US">
+              <a:rPr lang="en-US" dirty="0">
                 <a:latin typeface="Courier New" panose="02070309020205020404" pitchFamily="49" charset="0"/>
                 <a:cs typeface="Courier New" panose="02070309020205020404" pitchFamily="49" charset="0"/>
               </a:rPr>
@@ -5343,7 +5343,7 @@
           </a:p>
           <a:p>
             <a:r>
-              <a:rPr lang="en-US">
+              <a:rPr lang="en-US" dirty="0">
                 <a:latin typeface="Courier New" panose="02070309020205020404" pitchFamily="49" charset="0"/>
                 <a:cs typeface="Courier New" panose="02070309020205020404" pitchFamily="49" charset="0"/>
               </a:rPr>
@@ -5351,43 +5351,57 @@
             </a:r>
           </a:p>
           <a:p>
-            <a:endParaRPr lang="en-US">
+            <a:endParaRPr lang="en-US" dirty="0">
               <a:latin typeface="Courier New" panose="02070309020205020404" pitchFamily="49" charset="0"/>
               <a:cs typeface="Courier New" panose="02070309020205020404" pitchFamily="49" charset="0"/>
             </a:endParaRPr>
           </a:p>
           <a:p>
             <a:r>
+              <a:rPr lang="en-US" dirty="0">
+                <a:latin typeface="Courier New" panose="02070309020205020404" pitchFamily="49" charset="0"/>
+                <a:cs typeface="Courier New" panose="02070309020205020404" pitchFamily="49" charset="0"/>
+              </a:rPr>
+              <a:t>; Teardown frame &amp; return</a:t>
+            </a:r>
+          </a:p>
+          <a:p>
+            <a:r>
+              <a:rPr lang="en-US" dirty="0">
+                <a:latin typeface="Courier New" panose="02070309020205020404" pitchFamily="49" charset="0"/>
+                <a:cs typeface="Courier New" panose="02070309020205020404" pitchFamily="49" charset="0"/>
+              </a:rPr>
+              <a:t>STR R0, R5</a:t>
+            </a:r>
+            <a:r>
               <a:rPr lang="en-US">
                 <a:latin typeface="Courier New" panose="02070309020205020404" pitchFamily="49" charset="0"/>
                 <a:cs typeface="Courier New" panose="02070309020205020404" pitchFamily="49" charset="0"/>
               </a:rPr>
-              <a:t>; Teardown frame &amp; return</a:t>
-            </a:r>
-          </a:p>
-          <a:p>
-            <a:r>
-              <a:rPr lang="en-US">
-                <a:latin typeface="Courier New" panose="02070309020205020404" pitchFamily="49" charset="0"/>
-                <a:cs typeface="Courier New" panose="02070309020205020404" pitchFamily="49" charset="0"/>
-              </a:rPr>
-              <a:t>STR R0, R5, #0	; Store R0 as ret </a:t>
-            </a:r>
-            <a:r>
-              <a:rPr lang="en-US" err="1">
+              <a:t>, #3</a:t>
+            </a:r>
+            <a:r>
+              <a:rPr lang="en-US" dirty="0">
+                <a:latin typeface="Courier New" panose="02070309020205020404" pitchFamily="49" charset="0"/>
+                <a:cs typeface="Courier New" panose="02070309020205020404" pitchFamily="49" charset="0"/>
+              </a:rPr>
+              <a:t>	; Store R0 as ret </a:t>
+            </a:r>
+            <a:r>
+              <a:rPr lang="en-US" dirty="0" err="1">
                 <a:latin typeface="Courier New" panose="02070309020205020404" pitchFamily="49" charset="0"/>
                 <a:cs typeface="Courier New" panose="02070309020205020404" pitchFamily="49" charset="0"/>
               </a:rPr>
               <a:t>val</a:t>
             </a:r>
-            <a:endParaRPr lang="en-US">
+            <a:endParaRPr lang="en-US" dirty="0">
               <a:latin typeface="Courier New" panose="02070309020205020404" pitchFamily="49" charset="0"/>
               <a:cs typeface="Courier New" panose="02070309020205020404" pitchFamily="49" charset="0"/>
             </a:endParaRPr>
           </a:p>
           <a:p>
             <a:r>
-              <a:rPr lang="en-US">
+              <a:rPr lang="en-US" dirty="0">
                 <a:latin typeface="Courier New" panose="02070309020205020404" pitchFamily="49" charset="0"/>
                 <a:cs typeface="Courier New" panose="02070309020205020404" pitchFamily="49" charset="0"/>
               </a:rPr>
@@ -5396,7 +5410,7 @@
           </a:p>
           <a:p>
             <a:r>
-              <a:rPr lang="en-US">
+              <a:rPr lang="en-US" dirty="0">
                 <a:latin typeface="Courier New" panose="02070309020205020404" pitchFamily="49" charset="0"/>
                 <a:cs typeface="Courier New" panose="02070309020205020404" pitchFamily="49" charset="0"/>
               </a:rPr>
@@ -5405,7 +5419,7 @@
           </a:p>
           <a:p>
             <a:r>
-              <a:rPr lang="en-US">
+              <a:rPr lang="en-US" dirty="0">
                 <a:latin typeface="Courier New" panose="02070309020205020404" pitchFamily="49" charset="0"/>
                 <a:cs typeface="Courier New" panose="02070309020205020404" pitchFamily="49" charset="0"/>
               </a:rPr>
@@ -5413,19 +5427,19 @@
             </a:r>
           </a:p>
           <a:p>
-            <a:endParaRPr lang="en-US">
+            <a:endParaRPr lang="en-US" dirty="0">
               <a:latin typeface="Courier New" panose="02070309020205020404" pitchFamily="49" charset="0"/>
               <a:cs typeface="Courier New" panose="02070309020205020404" pitchFamily="49" charset="0"/>
             </a:endParaRPr>
           </a:p>
           <a:p>
-            <a:endParaRPr lang="en-US">
+            <a:endParaRPr lang="en-US" dirty="0">
               <a:latin typeface="Courier New" panose="02070309020205020404" pitchFamily="49" charset="0"/>
               <a:cs typeface="Courier New" panose="02070309020205020404" pitchFamily="49" charset="0"/>
             </a:endParaRPr>
           </a:p>
           <a:p>
-            <a:endParaRPr lang="en-US">
+            <a:endParaRPr lang="en-US" dirty="0">
               <a:latin typeface="Courier New" panose="02070309020205020404" pitchFamily="49" charset="0"/>
               <a:cs typeface="Courier New" panose="02070309020205020404" pitchFamily="49" charset="0"/>
             </a:endParaRPr>
@@ -6826,7 +6840,7 @@
                 <a:latin typeface="Courier New" panose="02070309020205020404" pitchFamily="49" charset="0"/>
                 <a:cs typeface="Courier New" panose="02070309020205020404" pitchFamily="49" charset="0"/>
               </a:rPr>
-              <a:t>STR R0, R5, #0	; Store R0 as ret </a:t>
+              <a:t>STR R0, R5, #3	; Store R0 as ret </a:t>
             </a:r>
             <a:r>
               <a:rPr lang="en-US" dirty="0" err="1">
@@ -8336,7 +8350,7 @@
           <a:lstStyle/>
           <a:p>
             <a:r>
-              <a:rPr lang="en-US">
+              <a:rPr lang="en-US" dirty="0">
                 <a:latin typeface="Courier New" panose="02070309020205020404" pitchFamily="49" charset="0"/>
                 <a:cs typeface="Courier New" panose="02070309020205020404" pitchFamily="49" charset="0"/>
               </a:rPr>
@@ -8344,14 +8358,14 @@
             </a:r>
           </a:p>
           <a:p>
-            <a:endParaRPr lang="en-US">
+            <a:endParaRPr lang="en-US" dirty="0">
               <a:latin typeface="Courier New" panose="02070309020205020404" pitchFamily="49" charset="0"/>
               <a:cs typeface="Courier New" panose="02070309020205020404" pitchFamily="49" charset="0"/>
             </a:endParaRPr>
           </a:p>
           <a:p>
             <a:r>
-              <a:rPr lang="en-US">
+              <a:rPr lang="en-US" dirty="0">
                 <a:latin typeface="Courier New" panose="02070309020205020404" pitchFamily="49" charset="0"/>
                 <a:cs typeface="Courier New" panose="02070309020205020404" pitchFamily="49" charset="0"/>
               </a:rPr>
@@ -8360,7 +8374,7 @@
           </a:p>
           <a:p>
             <a:r>
-              <a:rPr lang="en-US">
+              <a:rPr lang="en-US" dirty="0">
                 <a:latin typeface="Courier New" panose="02070309020205020404" pitchFamily="49" charset="0"/>
                 <a:cs typeface="Courier New" panose="02070309020205020404" pitchFamily="49" charset="0"/>
               </a:rPr>
@@ -8368,14 +8382,14 @@
             </a:r>
           </a:p>
           <a:p>
-            <a:endParaRPr lang="en-US">
+            <a:endParaRPr lang="en-US" dirty="0">
               <a:latin typeface="Courier New" panose="02070309020205020404" pitchFamily="49" charset="0"/>
               <a:cs typeface="Courier New" panose="02070309020205020404" pitchFamily="49" charset="0"/>
             </a:endParaRPr>
           </a:p>
           <a:p>
             <a:r>
-              <a:rPr lang="en-US">
+              <a:rPr lang="en-US" dirty="0">
                 <a:latin typeface="Courier New" panose="02070309020205020404" pitchFamily="49" charset="0"/>
                 <a:cs typeface="Courier New" panose="02070309020205020404" pitchFamily="49" charset="0"/>
               </a:rPr>
@@ -8383,14 +8397,14 @@
             </a:r>
           </a:p>
           <a:p>
-            <a:endParaRPr lang="en-US">
+            <a:endParaRPr lang="en-US" dirty="0">
               <a:latin typeface="Courier New" panose="02070309020205020404" pitchFamily="49" charset="0"/>
               <a:cs typeface="Courier New" panose="02070309020205020404" pitchFamily="49" charset="0"/>
             </a:endParaRPr>
           </a:p>
           <a:p>
             <a:r>
-              <a:rPr lang="en-US">
+              <a:rPr lang="en-US" dirty="0">
                 <a:latin typeface="Courier New" panose="02070309020205020404" pitchFamily="49" charset="0"/>
                 <a:cs typeface="Courier New" panose="02070309020205020404" pitchFamily="49" charset="0"/>
               </a:rPr>
@@ -8399,7 +8413,7 @@
           </a:p>
           <a:p>
             <a:r>
-              <a:rPr lang="en-US">
+              <a:rPr lang="en-US" dirty="0">
                 <a:latin typeface="Courier New" panose="02070309020205020404" pitchFamily="49" charset="0"/>
                 <a:cs typeface="Courier New" panose="02070309020205020404" pitchFamily="49" charset="0"/>
               </a:rPr>
@@ -8407,14 +8421,14 @@
             </a:r>
           </a:p>
           <a:p>
-            <a:endParaRPr lang="en-US">
+            <a:endParaRPr lang="en-US" dirty="0">
               <a:latin typeface="Courier New" panose="02070309020205020404" pitchFamily="49" charset="0"/>
               <a:cs typeface="Courier New" panose="02070309020205020404" pitchFamily="49" charset="0"/>
             </a:endParaRPr>
           </a:p>
           <a:p>
             <a:r>
-              <a:rPr lang="en-US">
+              <a:rPr lang="en-US" dirty="0">
                 <a:latin typeface="Courier New" panose="02070309020205020404" pitchFamily="49" charset="0"/>
                 <a:cs typeface="Courier New" panose="02070309020205020404" pitchFamily="49" charset="0"/>
               </a:rPr>
@@ -8422,14 +8436,14 @@
             </a:r>
           </a:p>
           <a:p>
-            <a:endParaRPr lang="en-US">
+            <a:endParaRPr lang="en-US" dirty="0">
               <a:latin typeface="Courier New" panose="02070309020205020404" pitchFamily="49" charset="0"/>
               <a:cs typeface="Courier New" panose="02070309020205020404" pitchFamily="49" charset="0"/>
             </a:endParaRPr>
           </a:p>
           <a:p>
             <a:r>
-              <a:rPr lang="en-US">
+              <a:rPr lang="en-US" dirty="0">
                 <a:latin typeface="Courier New" panose="02070309020205020404" pitchFamily="49" charset="0"/>
                 <a:cs typeface="Courier New" panose="02070309020205020404" pitchFamily="49" charset="0"/>
               </a:rPr>
@@ -8437,14 +8451,14 @@
             </a:r>
           </a:p>
           <a:p>
-            <a:endParaRPr lang="en-US">
+            <a:endParaRPr lang="en-US" dirty="0">
               <a:latin typeface="Courier New" panose="02070309020205020404" pitchFamily="49" charset="0"/>
               <a:cs typeface="Courier New" panose="02070309020205020404" pitchFamily="49" charset="0"/>
             </a:endParaRPr>
           </a:p>
           <a:p>
             <a:r>
-              <a:rPr lang="en-US">
+              <a:rPr lang="en-US" dirty="0">
                 <a:latin typeface="Courier New" panose="02070309020205020404" pitchFamily="49" charset="0"/>
                 <a:cs typeface="Courier New" panose="02070309020205020404" pitchFamily="49" charset="0"/>
               </a:rPr>
@@ -8453,7 +8467,7 @@
           </a:p>
           <a:p>
             <a:r>
-              <a:rPr lang="en-US">
+              <a:rPr lang="en-US" dirty="0">
                 <a:latin typeface="Courier New" panose="02070309020205020404" pitchFamily="49" charset="0"/>
                 <a:cs typeface="Courier New" panose="02070309020205020404" pitchFamily="49" charset="0"/>
               </a:rPr>
@@ -22883,7 +22897,7 @@
               <a:buNone/>
             </a:pPr>
             <a:r>
-              <a:rPr lang="en-US"/>
+              <a:rPr lang="en-US" dirty="0"/>
               <a:t>Fill in the blank such that array contains the same memory as it did on the previous slide</a:t>
             </a:r>
           </a:p>
@@ -22891,21 +22905,21 @@
             <a:pPr marL="0" indent="0">
               <a:buNone/>
             </a:pPr>
-            <a:endParaRPr lang="en-US" sz="1600"/>
-          </a:p>
-          <a:p>
-            <a:pPr marL="0" indent="0">
-              <a:buNone/>
-            </a:pPr>
-            <a:r>
-              <a:rPr lang="en-US" err="1">
+            <a:endParaRPr lang="en-US" sz="1600" dirty="0"/>
+          </a:p>
+          <a:p>
+            <a:pPr marL="0" indent="0">
+              <a:buNone/>
+            </a:pPr>
+            <a:r>
+              <a:rPr lang="en-US" dirty="0" err="1">
                 <a:latin typeface="Courier New" panose="02070309020205020404" pitchFamily="49" charset="0"/>
                 <a:cs typeface="Courier New" panose="02070309020205020404" pitchFamily="49" charset="0"/>
               </a:rPr>
               <a:t>int</a:t>
             </a:r>
             <a:r>
-              <a:rPr lang="en-US">
+              <a:rPr lang="en-US" dirty="0">
                 <a:latin typeface="Courier New" panose="02070309020205020404" pitchFamily="49" charset="0"/>
                 <a:cs typeface="Courier New" panose="02070309020205020404" pitchFamily="49" charset="0"/>
               </a:rPr>
@@ -22917,63 +22931,63 @@
               <a:buNone/>
             </a:pPr>
             <a:r>
-              <a:rPr lang="en-US">
+              <a:rPr lang="en-US" dirty="0">
                 <a:latin typeface="Courier New" panose="02070309020205020404" pitchFamily="49" charset="0"/>
                 <a:cs typeface="Courier New" panose="02070309020205020404" pitchFamily="49" charset="0"/>
               </a:rPr>
               <a:t>for (</a:t>
             </a:r>
             <a:r>
-              <a:rPr lang="en-US" err="1">
+              <a:rPr lang="en-US" dirty="0" err="1">
                 <a:latin typeface="Courier New" panose="02070309020205020404" pitchFamily="49" charset="0"/>
                 <a:cs typeface="Courier New" panose="02070309020205020404" pitchFamily="49" charset="0"/>
               </a:rPr>
               <a:t>int</a:t>
             </a:r>
             <a:r>
-              <a:rPr lang="en-US">
+              <a:rPr lang="en-US" dirty="0">
                 <a:latin typeface="Courier New" panose="02070309020205020404" pitchFamily="49" charset="0"/>
                 <a:cs typeface="Courier New" panose="02070309020205020404" pitchFamily="49" charset="0"/>
               </a:rPr>
               <a:t> </a:t>
             </a:r>
             <a:r>
-              <a:rPr lang="en-US" err="1">
+              <a:rPr lang="en-US" dirty="0" err="1">
                 <a:latin typeface="Courier New" panose="02070309020205020404" pitchFamily="49" charset="0"/>
                 <a:cs typeface="Courier New" panose="02070309020205020404" pitchFamily="49" charset="0"/>
               </a:rPr>
               <a:t>i</a:t>
             </a:r>
             <a:r>
-              <a:rPr lang="en-US">
+              <a:rPr lang="en-US" dirty="0">
                 <a:latin typeface="Courier New" panose="02070309020205020404" pitchFamily="49" charset="0"/>
                 <a:cs typeface="Courier New" panose="02070309020205020404" pitchFamily="49" charset="0"/>
               </a:rPr>
               <a:t> = 0; </a:t>
             </a:r>
             <a:r>
-              <a:rPr lang="en-US" err="1">
+              <a:rPr lang="en-US" dirty="0" err="1">
                 <a:latin typeface="Courier New" panose="02070309020205020404" pitchFamily="49" charset="0"/>
                 <a:cs typeface="Courier New" panose="02070309020205020404" pitchFamily="49" charset="0"/>
               </a:rPr>
               <a:t>i</a:t>
             </a:r>
             <a:r>
-              <a:rPr lang="en-US">
+              <a:rPr lang="en-US" dirty="0">
                 <a:latin typeface="Courier New" panose="02070309020205020404" pitchFamily="49" charset="0"/>
                 <a:cs typeface="Courier New" panose="02070309020205020404" pitchFamily="49" charset="0"/>
               </a:rPr>
               <a:t> &lt; 2; </a:t>
             </a:r>
             <a:r>
-              <a:rPr lang="en-US" err="1">
+              <a:rPr lang="en-US" dirty="0" err="1">
                 <a:latin typeface="Courier New" panose="02070309020205020404" pitchFamily="49" charset="0"/>
                 <a:cs typeface="Courier New" panose="02070309020205020404" pitchFamily="49" charset="0"/>
               </a:rPr>
               <a:t>i</a:t>
             </a:r>
             <a:r>
-              <a:rPr lang="en-US">
+              <a:rPr lang="en-US" dirty="0">
                 <a:latin typeface="Courier New" panose="02070309020205020404" pitchFamily="49" charset="0"/>
                 <a:cs typeface="Courier New" panose="02070309020205020404" pitchFamily="49" charset="0"/>
               </a:rPr>
@@ -22985,35 +22999,35 @@
               <a:buNone/>
             </a:pPr>
             <a:r>
-              <a:rPr lang="en-US">
+              <a:rPr lang="en-US" dirty="0">
                 <a:latin typeface="Courier New" panose="02070309020205020404" pitchFamily="49" charset="0"/>
                 <a:cs typeface="Courier New" panose="02070309020205020404" pitchFamily="49" charset="0"/>
               </a:rPr>
               <a:t>	for (</a:t>
             </a:r>
             <a:r>
-              <a:rPr lang="en-US" err="1">
+              <a:rPr lang="en-US" dirty="0" err="1">
                 <a:latin typeface="Courier New" panose="02070309020205020404" pitchFamily="49" charset="0"/>
                 <a:cs typeface="Courier New" panose="02070309020205020404" pitchFamily="49" charset="0"/>
               </a:rPr>
               <a:t>int</a:t>
             </a:r>
             <a:r>
-              <a:rPr lang="en-US">
+              <a:rPr lang="en-US" dirty="0">
                 <a:latin typeface="Courier New" panose="02070309020205020404" pitchFamily="49" charset="0"/>
                 <a:cs typeface="Courier New" panose="02070309020205020404" pitchFamily="49" charset="0"/>
               </a:rPr>
               <a:t> j = 0; j &lt; 4; </a:t>
             </a:r>
             <a:r>
-              <a:rPr lang="en-US" err="1">
+              <a:rPr lang="en-US" dirty="0" err="1">
                 <a:latin typeface="Courier New" panose="02070309020205020404" pitchFamily="49" charset="0"/>
                 <a:cs typeface="Courier New" panose="02070309020205020404" pitchFamily="49" charset="0"/>
               </a:rPr>
               <a:t>j++</a:t>
             </a:r>
             <a:r>
-              <a:rPr lang="en-US">
+              <a:rPr lang="en-US" dirty="0">
                 <a:latin typeface="Courier New" panose="02070309020205020404" pitchFamily="49" charset="0"/>
                 <a:cs typeface="Courier New" panose="02070309020205020404" pitchFamily="49" charset="0"/>
               </a:rPr>
@@ -23025,49 +23039,49 @@
               <a:buNone/>
             </a:pPr>
             <a:r>
-              <a:rPr lang="en-US">
+              <a:rPr lang="en-US" dirty="0">
                 <a:latin typeface="Courier New" panose="02070309020205020404" pitchFamily="49" charset="0"/>
                 <a:cs typeface="Courier New" panose="02070309020205020404" pitchFamily="49" charset="0"/>
               </a:rPr>
               <a:t>		</a:t>
             </a:r>
             <a:r>
-              <a:rPr lang="en-US" b="1" u="sng">
+              <a:rPr lang="en-US" b="1" u="sng" dirty="0">
                 <a:latin typeface="Courier New" panose="02070309020205020404" pitchFamily="49" charset="0"/>
                 <a:cs typeface="Courier New" panose="02070309020205020404" pitchFamily="49" charset="0"/>
               </a:rPr>
               <a:t>array[(4*</a:t>
             </a:r>
             <a:r>
-              <a:rPr lang="en-US" b="1" u="sng" err="1">
+              <a:rPr lang="en-US" b="1" u="sng" dirty="0" err="1">
                 <a:latin typeface="Courier New" panose="02070309020205020404" pitchFamily="49" charset="0"/>
                 <a:cs typeface="Courier New" panose="02070309020205020404" pitchFamily="49" charset="0"/>
               </a:rPr>
               <a:t>i</a:t>
             </a:r>
             <a:r>
-              <a:rPr lang="en-US" b="1" u="sng">
+              <a:rPr lang="en-US" b="1" u="sng" dirty="0">
                 <a:latin typeface="Courier New" panose="02070309020205020404" pitchFamily="49" charset="0"/>
                 <a:cs typeface="Courier New" panose="02070309020205020404" pitchFamily="49" charset="0"/>
               </a:rPr>
               <a:t>)+j]</a:t>
             </a:r>
             <a:r>
-              <a:rPr lang="en-US" b="1">
+              <a:rPr lang="en-US" b="1" dirty="0">
                 <a:latin typeface="Courier New" panose="02070309020205020404" pitchFamily="49" charset="0"/>
                 <a:cs typeface="Courier New" panose="02070309020205020404" pitchFamily="49" charset="0"/>
               </a:rPr>
               <a:t> = </a:t>
             </a:r>
             <a:r>
-              <a:rPr lang="en-US" b="1" err="1">
+              <a:rPr lang="en-US" b="1" dirty="0" err="1">
                 <a:latin typeface="Courier New" panose="02070309020205020404" pitchFamily="49" charset="0"/>
                 <a:cs typeface="Courier New" panose="02070309020205020404" pitchFamily="49" charset="0"/>
               </a:rPr>
               <a:t>i+j</a:t>
             </a:r>
             <a:r>
-              <a:rPr lang="en-US" b="1">
+              <a:rPr lang="en-US" b="1" dirty="0">
                 <a:latin typeface="Courier New" panose="02070309020205020404" pitchFamily="49" charset="0"/>
                 <a:cs typeface="Courier New" panose="02070309020205020404" pitchFamily="49" charset="0"/>
               </a:rPr>
@@ -23079,7 +23093,7 @@
               <a:buNone/>
             </a:pPr>
             <a:r>
-              <a:rPr lang="en-US">
+              <a:rPr lang="en-US" dirty="0">
                 <a:latin typeface="Courier New" panose="02070309020205020404" pitchFamily="49" charset="0"/>
                 <a:cs typeface="Courier New" panose="02070309020205020404" pitchFamily="49" charset="0"/>
               </a:rPr>
@@ -23091,7 +23105,7 @@
               <a:buNone/>
             </a:pPr>
             <a:r>
-              <a:rPr lang="en-US">
+              <a:rPr lang="en-US" dirty="0">
                 <a:latin typeface="Courier New" panose="02070309020205020404" pitchFamily="49" charset="0"/>
                 <a:cs typeface="Courier New" panose="02070309020205020404" pitchFamily="49" charset="0"/>
               </a:rPr>
